--- a/Video Ver1/Video PPT/27. Introduction to Joins.pptx
+++ b/Video Ver1/Video PPT/27. Introduction to Joins.pptx
@@ -115,7 +115,7 @@
   </p:defaultTextStyle>
   <p:extLst>
     <p:ext uri="{521415D9-36F7-43E2-AB2F-B90AF26B5E84}">
-      <p14:sectionLst xmlns="" xmlns:p14="http://schemas.microsoft.com/office/powerpoint/2010/main">
+      <p14:sectionLst xmlns:p14="http://schemas.microsoft.com/office/powerpoint/2010/main" xmlns="">
         <p14:section name="Introduction" id="{A3D14946-8297-4856-B082-4FEFA482017C}">
           <p14:sldIdLst>
             <p14:sldId id="282"/>
@@ -756,7 +756,7 @@
       </p14:sectionLst>
     </p:ext>
     <p:ext uri="{EFAFB233-063F-42B5-8137-9DF3F51BA10A}">
-      <p15:sldGuideLst xmlns="" xmlns:p15="http://schemas.microsoft.com/office/powerpoint/2012/main">
+      <p15:sldGuideLst xmlns:p15="http://schemas.microsoft.com/office/powerpoint/2012/main" xmlns="">
         <p15:guide id="1" orient="horz" pos="2160">
           <p15:clr>
             <a:srgbClr val="A4A3A4"/>
@@ -778,7 +778,7 @@
   <p:cmAuthor id="1" name="Saleel" initials="S" lastIdx="1" clrIdx="0">
     <p:extLst>
       <p:ext uri="{19B8F6BF-5375-455C-9EA6-DF929625EA0E}">
-        <p15:presenceInfo xmlns="" xmlns:p15="http://schemas.microsoft.com/office/powerpoint/2012/main" userId="Saleel" providerId="None"/>
+        <p15:presenceInfo xmlns:p15="http://schemas.microsoft.com/office/powerpoint/2012/main" xmlns="" userId="Saleel" providerId="None"/>
       </p:ext>
     </p:extLst>
   </p:cmAuthor>
@@ -4167,14 +4167,7 @@
                 <a:latin typeface="Segoe UI Light" panose="020B0502040204020203" pitchFamily="34" charset="0"/>
                 <a:cs typeface="Segoe UI Light" panose="020B0502040204020203" pitchFamily="34" charset="0"/>
               </a:rPr>
-              <a:t>Introduction to </a:t>
-            </a:r>
-            <a:r>
-              <a:rPr lang="en-US" sz="4800" dirty="0" smtClean="0">
-                <a:latin typeface="Segoe UI Light" panose="020B0502040204020203" pitchFamily="34" charset="0"/>
-                <a:cs typeface="Segoe UI Light" panose="020B0502040204020203" pitchFamily="34" charset="0"/>
-              </a:rPr>
-              <a:t>JOINS</a:t>
+              <a:t>Introduction to JOINS</a:t>
             </a:r>
             <a:endParaRPr lang="en-US" sz="4800" dirty="0">
               <a:latin typeface="Segoe UI Light" panose="020B0502040204020203" pitchFamily="34" charset="0"/>
@@ -4188,7 +4181,7 @@
           <p:cNvPr id="3" name="Picture 2">
             <a:extLst>
               <a:ext uri="{FF2B5EF4-FFF2-40B4-BE49-F238E27FC236}">
-                <a16:creationId xmlns="" xmlns:a16="http://schemas.microsoft.com/office/drawing/2014/main" id="{41A85463-8A73-4AAF-B006-A8206B2E4A66}"/>
+                <a16:creationId xmlns:a16="http://schemas.microsoft.com/office/drawing/2014/main" xmlns="" id="{41A85463-8A73-4AAF-B006-A8206B2E4A66}"/>
               </a:ext>
             </a:extLst>
           </p:cNvPr>
@@ -4201,7 +4194,7 @@
           <a:blip r:embed="rId2" cstate="print">
             <a:extLst>
               <a:ext uri="{28A0092B-C50C-407E-A947-70E740481C1C}">
-                <a14:useLocalDpi xmlns="" xmlns:a14="http://schemas.microsoft.com/office/drawing/2010/main" val="0"/>
+                <a14:useLocalDpi xmlns:a14="http://schemas.microsoft.com/office/drawing/2010/main" xmlns="" val="0"/>
               </a:ext>
             </a:extLst>
           </a:blip>
@@ -4224,7 +4217,7 @@
           <p:cNvPr id="4" name="Footer Placeholder 2">
             <a:extLst>
               <a:ext uri="{FF2B5EF4-FFF2-40B4-BE49-F238E27FC236}">
-                <a16:creationId xmlns="" xmlns:a16="http://schemas.microsoft.com/office/drawing/2014/main" id="{4610B96E-6F6B-4597-8ADF-B68C8A17E820}"/>
+                <a16:creationId xmlns:a16="http://schemas.microsoft.com/office/drawing/2014/main" xmlns="" id="{4610B96E-6F6B-4597-8ADF-B68C8A17E820}"/>
               </a:ext>
             </a:extLst>
           </p:cNvPr>
@@ -4354,7 +4347,7 @@
     </p:spTree>
     <p:extLst>
       <p:ext uri="{BB962C8B-B14F-4D97-AF65-F5344CB8AC3E}">
-        <p14:creationId xmlns="" xmlns:p14="http://schemas.microsoft.com/office/powerpoint/2010/main" val="4253925860"/>
+        <p14:creationId xmlns:p14="http://schemas.microsoft.com/office/powerpoint/2010/main" xmlns="" val="4253925860"/>
       </p:ext>
     </p:extLst>
   </p:cSld>
@@ -4415,14 +4408,7 @@
                 <a:latin typeface="Segoe UI Light" panose="020B0502040204020203" pitchFamily="34" charset="0"/>
                 <a:cs typeface="Segoe UI Light" panose="020B0502040204020203" pitchFamily="34" charset="0"/>
               </a:rPr>
-              <a:t>Need of </a:t>
-            </a:r>
-            <a:r>
-              <a:rPr lang="en-US" sz="4800" dirty="0" smtClean="0">
-                <a:latin typeface="Segoe UI Light" panose="020B0502040204020203" pitchFamily="34" charset="0"/>
-                <a:cs typeface="Segoe UI Light" panose="020B0502040204020203" pitchFamily="34" charset="0"/>
-              </a:rPr>
-              <a:t>JOINS</a:t>
+              <a:t>Need of JOINS</a:t>
             </a:r>
             <a:endParaRPr lang="en-US" sz="4800" dirty="0">
               <a:latin typeface="Segoe UI Light" panose="020B0502040204020203" pitchFamily="34" charset="0"/>
@@ -4436,7 +4422,7 @@
           <p:cNvPr id="3" name="Picture 2">
             <a:extLst>
               <a:ext uri="{FF2B5EF4-FFF2-40B4-BE49-F238E27FC236}">
-                <a16:creationId xmlns="" xmlns:a16="http://schemas.microsoft.com/office/drawing/2014/main" id="{41A85463-8A73-4AAF-B006-A8206B2E4A66}"/>
+                <a16:creationId xmlns:a16="http://schemas.microsoft.com/office/drawing/2014/main" xmlns="" id="{41A85463-8A73-4AAF-B006-A8206B2E4A66}"/>
               </a:ext>
             </a:extLst>
           </p:cNvPr>
@@ -4449,7 +4435,7 @@
           <a:blip r:embed="rId2" cstate="print">
             <a:extLst>
               <a:ext uri="{28A0092B-C50C-407E-A947-70E740481C1C}">
-                <a14:useLocalDpi xmlns="" xmlns:a14="http://schemas.microsoft.com/office/drawing/2010/main" val="0"/>
+                <a14:useLocalDpi xmlns:a14="http://schemas.microsoft.com/office/drawing/2010/main" xmlns="" val="0"/>
               </a:ext>
             </a:extLst>
           </a:blip>
@@ -4472,7 +4458,7 @@
           <p:cNvPr id="4" name="Footer Placeholder 2">
             <a:extLst>
               <a:ext uri="{FF2B5EF4-FFF2-40B4-BE49-F238E27FC236}">
-                <a16:creationId xmlns="" xmlns:a16="http://schemas.microsoft.com/office/drawing/2014/main" id="{4610B96E-6F6B-4597-8ADF-B68C8A17E820}"/>
+                <a16:creationId xmlns:a16="http://schemas.microsoft.com/office/drawing/2014/main" xmlns="" id="{4610B96E-6F6B-4597-8ADF-B68C8A17E820}"/>
               </a:ext>
             </a:extLst>
           </p:cNvPr>
@@ -4725,7 +4711,7 @@
     </p:spTree>
     <p:extLst>
       <p:ext uri="{BB962C8B-B14F-4D97-AF65-F5344CB8AC3E}">
-        <p14:creationId xmlns="" xmlns:p14="http://schemas.microsoft.com/office/powerpoint/2010/main" val="4253925860"/>
+        <p14:creationId xmlns:p14="http://schemas.microsoft.com/office/powerpoint/2010/main" xmlns="" val="4253925860"/>
       </p:ext>
     </p:extLst>
   </p:cSld>
@@ -4966,7 +4952,7 @@
           <p:cNvPr id="5" name="Picture 4">
             <a:extLst>
               <a:ext uri="{FF2B5EF4-FFF2-40B4-BE49-F238E27FC236}">
-                <a16:creationId xmlns="" xmlns:a16="http://schemas.microsoft.com/office/drawing/2014/main" id="{80A95AA2-4844-43C8-9208-2E7A2BF1C7BA}"/>
+                <a16:creationId xmlns:a16="http://schemas.microsoft.com/office/drawing/2014/main" xmlns="" id="{80A95AA2-4844-43C8-9208-2E7A2BF1C7BA}"/>
               </a:ext>
             </a:extLst>
           </p:cNvPr>
@@ -4979,7 +4965,7 @@
           <a:blip r:embed="rId2" cstate="print">
             <a:extLst>
               <a:ext uri="{28A0092B-C50C-407E-A947-70E740481C1C}">
-                <a14:useLocalDpi xmlns="" xmlns:a14="http://schemas.microsoft.com/office/drawing/2010/main" val="0"/>
+                <a14:useLocalDpi xmlns:a14="http://schemas.microsoft.com/office/drawing/2010/main" xmlns="" val="0"/>
               </a:ext>
             </a:extLst>
           </a:blip>
@@ -5002,7 +4988,7 @@
           <p:cNvPr id="7" name="Footer Placeholder 2">
             <a:extLst>
               <a:ext uri="{FF2B5EF4-FFF2-40B4-BE49-F238E27FC236}">
-                <a16:creationId xmlns="" xmlns:a16="http://schemas.microsoft.com/office/drawing/2014/main" id="{2196042C-8979-4101-B0F1-8A01C03AF006}"/>
+                <a16:creationId xmlns:a16="http://schemas.microsoft.com/office/drawing/2014/main" xmlns="" id="{2196042C-8979-4101-B0F1-8A01C03AF006}"/>
               </a:ext>
             </a:extLst>
           </p:cNvPr>
@@ -5163,14 +5149,7 @@
                 <a:latin typeface="Segoe UI Light" panose="020B0502040204020203" pitchFamily="34" charset="0"/>
                 <a:cs typeface="Segoe UI Light" panose="020B0502040204020203" pitchFamily="34" charset="0"/>
               </a:rPr>
-              <a:t>Types of </a:t>
-            </a:r>
-            <a:r>
-              <a:rPr lang="en-US" sz="4800" dirty="0" smtClean="0">
-                <a:latin typeface="Segoe UI Light" panose="020B0502040204020203" pitchFamily="34" charset="0"/>
-                <a:cs typeface="Segoe UI Light" panose="020B0502040204020203" pitchFamily="34" charset="0"/>
-              </a:rPr>
-              <a:t>JOINS</a:t>
+              <a:t>Types of JOINS</a:t>
             </a:r>
             <a:endParaRPr lang="en-US" sz="4800" dirty="0">
               <a:latin typeface="Segoe UI Light" panose="020B0502040204020203" pitchFamily="34" charset="0"/>
@@ -5182,7 +5161,7 @@
     </p:spTree>
     <p:extLst>
       <p:ext uri="{BB962C8B-B14F-4D97-AF65-F5344CB8AC3E}">
-        <p14:creationId xmlns="" xmlns:p14="http://schemas.microsoft.com/office/powerpoint/2010/main" val="2579396880"/>
+        <p14:creationId xmlns:p14="http://schemas.microsoft.com/office/powerpoint/2010/main" xmlns="" val="2579396880"/>
       </p:ext>
     </p:extLst>
   </p:cSld>
@@ -5312,7 +5291,7 @@
           <p:cNvPr id="10" name="Picture 9">
             <a:extLst>
               <a:ext uri="{FF2B5EF4-FFF2-40B4-BE49-F238E27FC236}">
-                <a16:creationId xmlns="" xmlns:a16="http://schemas.microsoft.com/office/drawing/2014/main" id="{DC1AD0D1-FD35-4B55-84D6-1ED3F558EF4B}"/>
+                <a16:creationId xmlns:a16="http://schemas.microsoft.com/office/drawing/2014/main" xmlns="" id="{DC1AD0D1-FD35-4B55-84D6-1ED3F558EF4B}"/>
               </a:ext>
             </a:extLst>
           </p:cNvPr>
@@ -5325,7 +5304,7 @@
           <a:blip r:embed="rId3" cstate="print">
             <a:extLst>
               <a:ext uri="{28A0092B-C50C-407E-A947-70E740481C1C}">
-                <a14:useLocalDpi xmlns="" xmlns:a14="http://schemas.microsoft.com/office/drawing/2010/main" val="0"/>
+                <a14:useLocalDpi xmlns:a14="http://schemas.microsoft.com/office/drawing/2010/main" xmlns="" val="0"/>
               </a:ext>
             </a:extLst>
           </a:blip>
@@ -5348,7 +5327,7 @@
           <p:cNvPr id="11" name="Footer Placeholder 2">
             <a:extLst>
               <a:ext uri="{FF2B5EF4-FFF2-40B4-BE49-F238E27FC236}">
-                <a16:creationId xmlns="" xmlns:a16="http://schemas.microsoft.com/office/drawing/2014/main" id="{9136102A-0328-4024-96D1-832FE306DC26}"/>
+                <a16:creationId xmlns:a16="http://schemas.microsoft.com/office/drawing/2014/main" xmlns="" id="{9136102A-0328-4024-96D1-832FE306DC26}"/>
               </a:ext>
             </a:extLst>
           </p:cNvPr>
@@ -5478,7 +5457,7 @@
     </p:spTree>
     <p:extLst>
       <p:ext uri="{BB962C8B-B14F-4D97-AF65-F5344CB8AC3E}">
-        <p14:creationId xmlns="" xmlns:p14="http://schemas.microsoft.com/office/powerpoint/2010/main" val="4233626751"/>
+        <p14:creationId xmlns:p14="http://schemas.microsoft.com/office/powerpoint/2010/main" xmlns="" val="4233626751"/>
       </p:ext>
     </p:extLst>
   </p:cSld>
@@ -5610,14 +5589,7 @@
                 <a:latin typeface="Arial" pitchFamily="34" charset="0"/>
                 <a:cs typeface="Arial" pitchFamily="34" charset="0"/>
               </a:rPr>
-              <a:t>i</a:t>
-            </a:r>
-            <a:r>
-              <a:rPr lang="en-US" sz="3200" b="1" i="1" dirty="0" smtClean="0">
-                <a:latin typeface="Arial" pitchFamily="34" charset="0"/>
-                <a:cs typeface="Arial" pitchFamily="34" charset="0"/>
-              </a:rPr>
-              <a:t>nner / equi </a:t>
+              <a:t>inner / equi </a:t>
             </a:r>
             <a:r>
               <a:rPr lang="en-US" sz="3200" b="1" i="1" dirty="0">
@@ -5693,7 +5665,7 @@
           <p:cNvPr id="8" name="Rectangle 7">
             <a:extLst>
               <a:ext uri="{FF2B5EF4-FFF2-40B4-BE49-F238E27FC236}">
-                <a16:creationId xmlns="" xmlns:a16="http://schemas.microsoft.com/office/drawing/2014/main" id="{64E59AB9-D23B-4A69-B7D4-4733E25BD424}"/>
+                <a16:creationId xmlns:a16="http://schemas.microsoft.com/office/drawing/2014/main" xmlns="" id="{64E59AB9-D23B-4A69-B7D4-4733E25BD424}"/>
               </a:ext>
             </a:extLst>
           </p:cNvPr>
@@ -5730,7 +5702,7 @@
           <p:cNvPr id="7" name="Picture 6">
             <a:extLst>
               <a:ext uri="{FF2B5EF4-FFF2-40B4-BE49-F238E27FC236}">
-                <a16:creationId xmlns="" xmlns:a16="http://schemas.microsoft.com/office/drawing/2014/main" id="{D549EEF8-0DDC-4ADB-8B68-691DD0B6B1E9}"/>
+                <a16:creationId xmlns:a16="http://schemas.microsoft.com/office/drawing/2014/main" xmlns="" id="{D549EEF8-0DDC-4ADB-8B68-691DD0B6B1E9}"/>
               </a:ext>
             </a:extLst>
           </p:cNvPr>
@@ -5743,7 +5715,7 @@
           <a:blip r:embed="rId3" cstate="print">
             <a:extLst>
               <a:ext uri="{28A0092B-C50C-407E-A947-70E740481C1C}">
-                <a14:useLocalDpi xmlns="" xmlns:a14="http://schemas.microsoft.com/office/drawing/2010/main" val="0"/>
+                <a14:useLocalDpi xmlns:a14="http://schemas.microsoft.com/office/drawing/2010/main" xmlns="" val="0"/>
               </a:ext>
             </a:extLst>
           </a:blip>
@@ -5766,7 +5738,7 @@
           <p:cNvPr id="9" name="Footer Placeholder 2">
             <a:extLst>
               <a:ext uri="{FF2B5EF4-FFF2-40B4-BE49-F238E27FC236}">
-                <a16:creationId xmlns="" xmlns:a16="http://schemas.microsoft.com/office/drawing/2014/main" id="{FE7D71F0-97C1-4A7C-A634-BE2CA956F0C6}"/>
+                <a16:creationId xmlns:a16="http://schemas.microsoft.com/office/drawing/2014/main" xmlns="" id="{FE7D71F0-97C1-4A7C-A634-BE2CA956F0C6}"/>
               </a:ext>
             </a:extLst>
           </p:cNvPr>
@@ -5896,7 +5868,7 @@
     </p:spTree>
     <p:extLst>
       <p:ext uri="{BB962C8B-B14F-4D97-AF65-F5344CB8AC3E}">
-        <p14:creationId xmlns="" xmlns:p14="http://schemas.microsoft.com/office/powerpoint/2010/main" val="3160401395"/>
+        <p14:creationId xmlns:p14="http://schemas.microsoft.com/office/powerpoint/2010/main" xmlns="" val="3160401395"/>
       </p:ext>
     </p:extLst>
   </p:cSld>
@@ -6028,14 +6000,7 @@
                 <a:latin typeface="Arial" pitchFamily="34" charset="0"/>
                 <a:cs typeface="Arial" pitchFamily="34" charset="0"/>
               </a:rPr>
-              <a:t>l</a:t>
-            </a:r>
-            <a:r>
-              <a:rPr lang="en-US" sz="3200" b="1" i="1" dirty="0" smtClean="0">
-                <a:latin typeface="Arial" pitchFamily="34" charset="0"/>
-                <a:cs typeface="Arial" pitchFamily="34" charset="0"/>
-              </a:rPr>
-              <a:t>eft </a:t>
+              <a:t>left </a:t>
             </a:r>
             <a:r>
               <a:rPr lang="en-US" sz="3200" b="1" i="1" dirty="0">
@@ -6146,7 +6111,7 @@
           <p:cNvPr id="7" name="Picture 6">
             <a:extLst>
               <a:ext uri="{FF2B5EF4-FFF2-40B4-BE49-F238E27FC236}">
-                <a16:creationId xmlns="" xmlns:a16="http://schemas.microsoft.com/office/drawing/2014/main" id="{673C5F90-0D53-4822-96AD-E561FE022953}"/>
+                <a16:creationId xmlns:a16="http://schemas.microsoft.com/office/drawing/2014/main" xmlns="" id="{673C5F90-0D53-4822-96AD-E561FE022953}"/>
               </a:ext>
             </a:extLst>
           </p:cNvPr>
@@ -6159,7 +6124,7 @@
           <a:blip r:embed="rId3" cstate="print">
             <a:extLst>
               <a:ext uri="{28A0092B-C50C-407E-A947-70E740481C1C}">
-                <a14:useLocalDpi xmlns="" xmlns:a14="http://schemas.microsoft.com/office/drawing/2010/main" val="0"/>
+                <a14:useLocalDpi xmlns:a14="http://schemas.microsoft.com/office/drawing/2010/main" xmlns="" val="0"/>
               </a:ext>
             </a:extLst>
           </a:blip>
@@ -6182,7 +6147,7 @@
           <p:cNvPr id="8" name="Footer Placeholder 2">
             <a:extLst>
               <a:ext uri="{FF2B5EF4-FFF2-40B4-BE49-F238E27FC236}">
-                <a16:creationId xmlns="" xmlns:a16="http://schemas.microsoft.com/office/drawing/2014/main" id="{E1A25237-EAF2-44A9-AD9F-3B42445F3CFA}"/>
+                <a16:creationId xmlns:a16="http://schemas.microsoft.com/office/drawing/2014/main" xmlns="" id="{E1A25237-EAF2-44A9-AD9F-3B42445F3CFA}"/>
               </a:ext>
             </a:extLst>
           </p:cNvPr>
@@ -6312,7 +6277,7 @@
     </p:spTree>
     <p:extLst>
       <p:ext uri="{BB962C8B-B14F-4D97-AF65-F5344CB8AC3E}">
-        <p14:creationId xmlns="" xmlns:p14="http://schemas.microsoft.com/office/powerpoint/2010/main" val="2210990177"/>
+        <p14:creationId xmlns:p14="http://schemas.microsoft.com/office/powerpoint/2010/main" xmlns="" val="2210990177"/>
       </p:ext>
     </p:extLst>
   </p:cSld>
@@ -6569,7 +6534,7 @@
           <p:cNvPr id="7" name="Picture 6">
             <a:extLst>
               <a:ext uri="{FF2B5EF4-FFF2-40B4-BE49-F238E27FC236}">
-                <a16:creationId xmlns="" xmlns:a16="http://schemas.microsoft.com/office/drawing/2014/main" id="{09BC3450-AA35-49AC-835F-AD0371AC796C}"/>
+                <a16:creationId xmlns:a16="http://schemas.microsoft.com/office/drawing/2014/main" xmlns="" id="{09BC3450-AA35-49AC-835F-AD0371AC796C}"/>
               </a:ext>
             </a:extLst>
           </p:cNvPr>
@@ -6582,7 +6547,7 @@
           <a:blip r:embed="rId3" cstate="print">
             <a:extLst>
               <a:ext uri="{28A0092B-C50C-407E-A947-70E740481C1C}">
-                <a14:useLocalDpi xmlns="" xmlns:a14="http://schemas.microsoft.com/office/drawing/2010/main" val="0"/>
+                <a14:useLocalDpi xmlns:a14="http://schemas.microsoft.com/office/drawing/2010/main" xmlns="" val="0"/>
               </a:ext>
             </a:extLst>
           </a:blip>
@@ -6605,7 +6570,7 @@
           <p:cNvPr id="8" name="Footer Placeholder 2">
             <a:extLst>
               <a:ext uri="{FF2B5EF4-FFF2-40B4-BE49-F238E27FC236}">
-                <a16:creationId xmlns="" xmlns:a16="http://schemas.microsoft.com/office/drawing/2014/main" id="{6A00BB9F-BA4C-4D2C-831C-35C6CF284EC0}"/>
+                <a16:creationId xmlns:a16="http://schemas.microsoft.com/office/drawing/2014/main" xmlns="" id="{6A00BB9F-BA4C-4D2C-831C-35C6CF284EC0}"/>
               </a:ext>
             </a:extLst>
           </p:cNvPr>
@@ -6735,7 +6700,7 @@
     </p:spTree>
     <p:extLst>
       <p:ext uri="{BB962C8B-B14F-4D97-AF65-F5344CB8AC3E}">
-        <p14:creationId xmlns="" xmlns:p14="http://schemas.microsoft.com/office/powerpoint/2010/main" val="3506185651"/>
+        <p14:creationId xmlns:p14="http://schemas.microsoft.com/office/powerpoint/2010/main" xmlns="" val="3506185651"/>
       </p:ext>
     </p:extLst>
   </p:cSld>

--- a/Video Ver1/Video PPT/27. Introduction to Joins.pptx
+++ b/Video Ver1/Video PPT/27. Introduction to Joins.pptx
@@ -115,7 +115,7 @@
   </p:defaultTextStyle>
   <p:extLst>
     <p:ext uri="{521415D9-36F7-43E2-AB2F-B90AF26B5E84}">
-      <p14:sectionLst xmlns:p14="http://schemas.microsoft.com/office/powerpoint/2010/main" xmlns="">
+      <p14:sectionLst xmlns="" xmlns:p14="http://schemas.microsoft.com/office/powerpoint/2010/main">
         <p14:section name="Introduction" id="{A3D14946-8297-4856-B082-4FEFA482017C}">
           <p14:sldIdLst>
             <p14:sldId id="282"/>
@@ -756,7 +756,7 @@
       </p14:sectionLst>
     </p:ext>
     <p:ext uri="{EFAFB233-063F-42B5-8137-9DF3F51BA10A}">
-      <p15:sldGuideLst xmlns:p15="http://schemas.microsoft.com/office/powerpoint/2012/main" xmlns="">
+      <p15:sldGuideLst xmlns="" xmlns:p15="http://schemas.microsoft.com/office/powerpoint/2012/main">
         <p15:guide id="1" orient="horz" pos="2160">
           <p15:clr>
             <a:srgbClr val="A4A3A4"/>
@@ -778,7 +778,7 @@
   <p:cmAuthor id="1" name="Saleel" initials="S" lastIdx="1" clrIdx="0">
     <p:extLst>
       <p:ext uri="{19B8F6BF-5375-455C-9EA6-DF929625EA0E}">
-        <p15:presenceInfo xmlns:p15="http://schemas.microsoft.com/office/powerpoint/2012/main" xmlns="" userId="Saleel" providerId="None"/>
+        <p15:presenceInfo xmlns="" xmlns:p15="http://schemas.microsoft.com/office/powerpoint/2012/main" userId="Saleel" providerId="None"/>
       </p:ext>
     </p:extLst>
   </p:cmAuthor>
@@ -868,7 +868,7 @@
             <a:fld id="{4DF51050-3720-483B-B552-57DC1341D582}" type="datetimeFigureOut">
               <a:rPr lang="en-US" smtClean="0"/>
               <a:pPr/>
-              <a:t>6/5/2020</a:t>
+              <a:t>6/6/2020</a:t>
             </a:fld>
             <a:endParaRPr lang="en-US"/>
           </a:p>
@@ -1327,7 +1327,7 @@
             <a:fld id="{EEE556E8-492E-4E8F-8E7F-7A7787724D01}" type="datetimeFigureOut">
               <a:rPr lang="en-US" smtClean="0"/>
               <a:pPr/>
-              <a:t>6/5/2020</a:t>
+              <a:t>6/6/2020</a:t>
             </a:fld>
             <a:endParaRPr lang="en-US"/>
           </a:p>
@@ -1532,7 +1532,7 @@
             <a:fld id="{EEE556E8-492E-4E8F-8E7F-7A7787724D01}" type="datetimeFigureOut">
               <a:rPr lang="en-US" smtClean="0"/>
               <a:pPr/>
-              <a:t>6/5/2020</a:t>
+              <a:t>6/6/2020</a:t>
             </a:fld>
             <a:endParaRPr lang="en-US"/>
           </a:p>
@@ -1737,7 +1737,7 @@
             <a:fld id="{EEE556E8-492E-4E8F-8E7F-7A7787724D01}" type="datetimeFigureOut">
               <a:rPr lang="en-US" smtClean="0"/>
               <a:pPr/>
-              <a:t>6/5/2020</a:t>
+              <a:t>6/6/2020</a:t>
             </a:fld>
             <a:endParaRPr lang="en-US"/>
           </a:p>
@@ -1942,7 +1942,7 @@
             <a:fld id="{EEE556E8-492E-4E8F-8E7F-7A7787724D01}" type="datetimeFigureOut">
               <a:rPr lang="en-US" smtClean="0"/>
               <a:pPr/>
-              <a:t>6/5/2020</a:t>
+              <a:t>6/6/2020</a:t>
             </a:fld>
             <a:endParaRPr lang="en-US"/>
           </a:p>
@@ -2214,7 +2214,7 @@
             <a:fld id="{EEE556E8-492E-4E8F-8E7F-7A7787724D01}" type="datetimeFigureOut">
               <a:rPr lang="en-US" smtClean="0"/>
               <a:pPr/>
-              <a:t>6/5/2020</a:t>
+              <a:t>6/6/2020</a:t>
             </a:fld>
             <a:endParaRPr lang="en-US"/>
           </a:p>
@@ -2534,7 +2534,7 @@
             <a:fld id="{EEE556E8-492E-4E8F-8E7F-7A7787724D01}" type="datetimeFigureOut">
               <a:rPr lang="en-US" smtClean="0"/>
               <a:pPr/>
-              <a:t>6/5/2020</a:t>
+              <a:t>6/6/2020</a:t>
             </a:fld>
             <a:endParaRPr lang="en-US"/>
           </a:p>
@@ -2994,7 +2994,7 @@
             <a:fld id="{EEE556E8-492E-4E8F-8E7F-7A7787724D01}" type="datetimeFigureOut">
               <a:rPr lang="en-US" smtClean="0"/>
               <a:pPr/>
-              <a:t>6/5/2020</a:t>
+              <a:t>6/6/2020</a:t>
             </a:fld>
             <a:endParaRPr lang="en-US"/>
           </a:p>
@@ -3140,7 +3140,7 @@
             <a:fld id="{EEE556E8-492E-4E8F-8E7F-7A7787724D01}" type="datetimeFigureOut">
               <a:rPr lang="en-US" smtClean="0"/>
               <a:pPr/>
-              <a:t>6/5/2020</a:t>
+              <a:t>6/6/2020</a:t>
             </a:fld>
             <a:endParaRPr lang="en-US"/>
           </a:p>
@@ -3470,7 +3470,7 @@
             <a:fld id="{EEE556E8-492E-4E8F-8E7F-7A7787724D01}" type="datetimeFigureOut">
               <a:rPr lang="en-US" smtClean="0"/>
               <a:pPr/>
-              <a:t>6/5/2020</a:t>
+              <a:t>6/6/2020</a:t>
             </a:fld>
             <a:endParaRPr lang="en-US"/>
           </a:p>
@@ -3752,7 +3752,7 @@
             <a:fld id="{EEE556E8-492E-4E8F-8E7F-7A7787724D01}" type="datetimeFigureOut">
               <a:rPr lang="en-US" smtClean="0"/>
               <a:pPr/>
-              <a:t>6/5/2020</a:t>
+              <a:t>6/6/2020</a:t>
             </a:fld>
             <a:endParaRPr lang="en-US"/>
           </a:p>
@@ -4143,7 +4143,7 @@
         </p:nvSpPr>
         <p:spPr>
           <a:xfrm>
-            <a:off x="1630710" y="1556792"/>
+            <a:off x="1270670" y="1700808"/>
             <a:ext cx="8838049" cy="914400"/>
           </a:xfrm>
           <a:prstGeom prst="rect">
@@ -4181,7 +4181,7 @@
           <p:cNvPr id="3" name="Picture 2">
             <a:extLst>
               <a:ext uri="{FF2B5EF4-FFF2-40B4-BE49-F238E27FC236}">
-                <a16:creationId xmlns:a16="http://schemas.microsoft.com/office/drawing/2014/main" xmlns="" id="{41A85463-8A73-4AAF-B006-A8206B2E4A66}"/>
+                <a16:creationId xmlns="" xmlns:a16="http://schemas.microsoft.com/office/drawing/2014/main" id="{41A85463-8A73-4AAF-B006-A8206B2E4A66}"/>
               </a:ext>
             </a:extLst>
           </p:cNvPr>
@@ -4194,7 +4194,7 @@
           <a:blip r:embed="rId2" cstate="print">
             <a:extLst>
               <a:ext uri="{28A0092B-C50C-407E-A947-70E740481C1C}">
-                <a14:useLocalDpi xmlns:a14="http://schemas.microsoft.com/office/drawing/2010/main" xmlns="" val="0"/>
+                <a14:useLocalDpi xmlns="" xmlns:a14="http://schemas.microsoft.com/office/drawing/2010/main" val="0"/>
               </a:ext>
             </a:extLst>
           </a:blip>
@@ -4217,7 +4217,7 @@
           <p:cNvPr id="4" name="Footer Placeholder 2">
             <a:extLst>
               <a:ext uri="{FF2B5EF4-FFF2-40B4-BE49-F238E27FC236}">
-                <a16:creationId xmlns:a16="http://schemas.microsoft.com/office/drawing/2014/main" xmlns="" id="{4610B96E-6F6B-4597-8ADF-B68C8A17E820}"/>
+                <a16:creationId xmlns="" xmlns:a16="http://schemas.microsoft.com/office/drawing/2014/main" id="{4610B96E-6F6B-4597-8ADF-B68C8A17E820}"/>
               </a:ext>
             </a:extLst>
           </p:cNvPr>
@@ -4344,10 +4344,63 @@
           </a:p>
         </p:txBody>
       </p:sp>
+      <p:sp>
+        <p:nvSpPr>
+          <p:cNvPr id="5" name="Rectangle 4"/>
+          <p:cNvSpPr/>
+          <p:nvPr/>
+        </p:nvSpPr>
+        <p:spPr>
+          <a:xfrm>
+            <a:off x="1558702" y="3068960"/>
+            <a:ext cx="9001000" cy="646331"/>
+          </a:xfrm>
+          <a:prstGeom prst="rect">
+            <a:avLst/>
+          </a:prstGeom>
+        </p:spPr>
+        <p:txBody>
+          <a:bodyPr wrap="square">
+            <a:spAutoFit/>
+          </a:bodyPr>
+          <a:lstStyle/>
+          <a:p>
+            <a:r>
+              <a:rPr lang="en-US" dirty="0" smtClean="0"/>
+              <a:t>The </a:t>
+            </a:r>
+            <a:r>
+              <a:rPr lang="en-US" b="1" dirty="0" smtClean="0"/>
+              <a:t>SQL Joins</a:t>
+            </a:r>
+            <a:r>
+              <a:rPr lang="en-US" dirty="0" smtClean="0"/>
+              <a:t> clause is </a:t>
+            </a:r>
+            <a:r>
+              <a:rPr lang="en-US" b="1" dirty="0" smtClean="0"/>
+              <a:t>used</a:t>
+            </a:r>
+            <a:r>
+              <a:rPr lang="en-US" dirty="0" smtClean="0"/>
+              <a:t> to combine records from two or more tables in a database. A </a:t>
+            </a:r>
+            <a:r>
+              <a:rPr lang="en-US" b="1" dirty="0" smtClean="0"/>
+              <a:t>JOIN</a:t>
+            </a:r>
+            <a:r>
+              <a:rPr lang="en-US" dirty="0" smtClean="0"/>
+              <a:t> is a means for combining fields from two tables by using values common to each.</a:t>
+            </a:r>
+            <a:endParaRPr lang="en-US" dirty="0"/>
+          </a:p>
+        </p:txBody>
+      </p:sp>
     </p:spTree>
     <p:extLst>
       <p:ext uri="{BB962C8B-B14F-4D97-AF65-F5344CB8AC3E}">
-        <p14:creationId xmlns:p14="http://schemas.microsoft.com/office/powerpoint/2010/main" xmlns="" val="4253925860"/>
+        <p14:creationId xmlns="" xmlns:p14="http://schemas.microsoft.com/office/powerpoint/2010/main" val="4253925860"/>
       </p:ext>
     </p:extLst>
   </p:cSld>
@@ -4422,7 +4475,7 @@
           <p:cNvPr id="3" name="Picture 2">
             <a:extLst>
               <a:ext uri="{FF2B5EF4-FFF2-40B4-BE49-F238E27FC236}">
-                <a16:creationId xmlns:a16="http://schemas.microsoft.com/office/drawing/2014/main" xmlns="" id="{41A85463-8A73-4AAF-B006-A8206B2E4A66}"/>
+                <a16:creationId xmlns="" xmlns:a16="http://schemas.microsoft.com/office/drawing/2014/main" id="{41A85463-8A73-4AAF-B006-A8206B2E4A66}"/>
               </a:ext>
             </a:extLst>
           </p:cNvPr>
@@ -4435,7 +4488,7 @@
           <a:blip r:embed="rId2" cstate="print">
             <a:extLst>
               <a:ext uri="{28A0092B-C50C-407E-A947-70E740481C1C}">
-                <a14:useLocalDpi xmlns:a14="http://schemas.microsoft.com/office/drawing/2010/main" xmlns="" val="0"/>
+                <a14:useLocalDpi xmlns="" xmlns:a14="http://schemas.microsoft.com/office/drawing/2010/main" val="0"/>
               </a:ext>
             </a:extLst>
           </a:blip>
@@ -4458,7 +4511,7 @@
           <p:cNvPr id="4" name="Footer Placeholder 2">
             <a:extLst>
               <a:ext uri="{FF2B5EF4-FFF2-40B4-BE49-F238E27FC236}">
-                <a16:creationId xmlns:a16="http://schemas.microsoft.com/office/drawing/2014/main" xmlns="" id="{4610B96E-6F6B-4597-8ADF-B68C8A17E820}"/>
+                <a16:creationId xmlns="" xmlns:a16="http://schemas.microsoft.com/office/drawing/2014/main" id="{4610B96E-6F6B-4597-8ADF-B68C8A17E820}"/>
               </a:ext>
             </a:extLst>
           </p:cNvPr>
@@ -4711,7 +4764,7 @@
     </p:spTree>
     <p:extLst>
       <p:ext uri="{BB962C8B-B14F-4D97-AF65-F5344CB8AC3E}">
-        <p14:creationId xmlns:p14="http://schemas.microsoft.com/office/powerpoint/2010/main" xmlns="" val="4253925860"/>
+        <p14:creationId xmlns="" xmlns:p14="http://schemas.microsoft.com/office/powerpoint/2010/main" val="4253925860"/>
       </p:ext>
     </p:extLst>
   </p:cSld>
@@ -4952,7 +5005,7 @@
           <p:cNvPr id="5" name="Picture 4">
             <a:extLst>
               <a:ext uri="{FF2B5EF4-FFF2-40B4-BE49-F238E27FC236}">
-                <a16:creationId xmlns:a16="http://schemas.microsoft.com/office/drawing/2014/main" xmlns="" id="{80A95AA2-4844-43C8-9208-2E7A2BF1C7BA}"/>
+                <a16:creationId xmlns="" xmlns:a16="http://schemas.microsoft.com/office/drawing/2014/main" id="{80A95AA2-4844-43C8-9208-2E7A2BF1C7BA}"/>
               </a:ext>
             </a:extLst>
           </p:cNvPr>
@@ -4965,7 +5018,7 @@
           <a:blip r:embed="rId2" cstate="print">
             <a:extLst>
               <a:ext uri="{28A0092B-C50C-407E-A947-70E740481C1C}">
-                <a14:useLocalDpi xmlns:a14="http://schemas.microsoft.com/office/drawing/2010/main" xmlns="" val="0"/>
+                <a14:useLocalDpi xmlns="" xmlns:a14="http://schemas.microsoft.com/office/drawing/2010/main" val="0"/>
               </a:ext>
             </a:extLst>
           </a:blip>
@@ -4988,7 +5041,7 @@
           <p:cNvPr id="7" name="Footer Placeholder 2">
             <a:extLst>
               <a:ext uri="{FF2B5EF4-FFF2-40B4-BE49-F238E27FC236}">
-                <a16:creationId xmlns:a16="http://schemas.microsoft.com/office/drawing/2014/main" xmlns="" id="{2196042C-8979-4101-B0F1-8A01C03AF006}"/>
+                <a16:creationId xmlns="" xmlns:a16="http://schemas.microsoft.com/office/drawing/2014/main" id="{2196042C-8979-4101-B0F1-8A01C03AF006}"/>
               </a:ext>
             </a:extLst>
           </p:cNvPr>
@@ -5161,7 +5214,7 @@
     </p:spTree>
     <p:extLst>
       <p:ext uri="{BB962C8B-B14F-4D97-AF65-F5344CB8AC3E}">
-        <p14:creationId xmlns:p14="http://schemas.microsoft.com/office/powerpoint/2010/main" xmlns="" val="2579396880"/>
+        <p14:creationId xmlns="" xmlns:p14="http://schemas.microsoft.com/office/powerpoint/2010/main" val="2579396880"/>
       </p:ext>
     </p:extLst>
   </p:cSld>
@@ -5291,7 +5344,7 @@
           <p:cNvPr id="10" name="Picture 9">
             <a:extLst>
               <a:ext uri="{FF2B5EF4-FFF2-40B4-BE49-F238E27FC236}">
-                <a16:creationId xmlns:a16="http://schemas.microsoft.com/office/drawing/2014/main" xmlns="" id="{DC1AD0D1-FD35-4B55-84D6-1ED3F558EF4B}"/>
+                <a16:creationId xmlns="" xmlns:a16="http://schemas.microsoft.com/office/drawing/2014/main" id="{DC1AD0D1-FD35-4B55-84D6-1ED3F558EF4B}"/>
               </a:ext>
             </a:extLst>
           </p:cNvPr>
@@ -5304,7 +5357,7 @@
           <a:blip r:embed="rId3" cstate="print">
             <a:extLst>
               <a:ext uri="{28A0092B-C50C-407E-A947-70E740481C1C}">
-                <a14:useLocalDpi xmlns:a14="http://schemas.microsoft.com/office/drawing/2010/main" xmlns="" val="0"/>
+                <a14:useLocalDpi xmlns="" xmlns:a14="http://schemas.microsoft.com/office/drawing/2010/main" val="0"/>
               </a:ext>
             </a:extLst>
           </a:blip>
@@ -5327,7 +5380,7 @@
           <p:cNvPr id="11" name="Footer Placeholder 2">
             <a:extLst>
               <a:ext uri="{FF2B5EF4-FFF2-40B4-BE49-F238E27FC236}">
-                <a16:creationId xmlns:a16="http://schemas.microsoft.com/office/drawing/2014/main" xmlns="" id="{9136102A-0328-4024-96D1-832FE306DC26}"/>
+                <a16:creationId xmlns="" xmlns:a16="http://schemas.microsoft.com/office/drawing/2014/main" id="{9136102A-0328-4024-96D1-832FE306DC26}"/>
               </a:ext>
             </a:extLst>
           </p:cNvPr>
@@ -5457,7 +5510,7 @@
     </p:spTree>
     <p:extLst>
       <p:ext uri="{BB962C8B-B14F-4D97-AF65-F5344CB8AC3E}">
-        <p14:creationId xmlns:p14="http://schemas.microsoft.com/office/powerpoint/2010/main" xmlns="" val="4233626751"/>
+        <p14:creationId xmlns="" xmlns:p14="http://schemas.microsoft.com/office/powerpoint/2010/main" val="4233626751"/>
       </p:ext>
     </p:extLst>
   </p:cSld>
@@ -5636,36 +5689,12 @@
           </a:p>
         </p:txBody>
       </p:sp>
-      <p:pic>
-        <p:nvPicPr>
-          <p:cNvPr id="26" name="Picture 25"/>
-          <p:cNvPicPr>
-            <a:picLocks noChangeAspect="1"/>
-          </p:cNvPicPr>
-          <p:nvPr/>
-        </p:nvPicPr>
-        <p:blipFill>
-          <a:blip r:embed="rId2" cstate="print"/>
-          <a:stretch>
-            <a:fillRect/>
-          </a:stretch>
-        </p:blipFill>
-        <p:spPr>
-          <a:xfrm>
-            <a:off x="1533600" y="2170800"/>
-            <a:ext cx="9142810" cy="1981200"/>
-          </a:xfrm>
-          <a:prstGeom prst="rect">
-            <a:avLst/>
-          </a:prstGeom>
-        </p:spPr>
-      </p:pic>
       <p:sp>
         <p:nvSpPr>
           <p:cNvPr id="8" name="Rectangle 7">
             <a:extLst>
               <a:ext uri="{FF2B5EF4-FFF2-40B4-BE49-F238E27FC236}">
-                <a16:creationId xmlns:a16="http://schemas.microsoft.com/office/drawing/2014/main" xmlns="" id="{64E59AB9-D23B-4A69-B7D4-4733E25BD424}"/>
+                <a16:creationId xmlns="" xmlns:a16="http://schemas.microsoft.com/office/drawing/2014/main" id="{64E59AB9-D23B-4A69-B7D4-4733E25BD424}"/>
               </a:ext>
             </a:extLst>
           </p:cNvPr>
@@ -5674,7 +5703,7 @@
         </p:nvSpPr>
         <p:spPr>
           <a:xfrm>
-            <a:off x="478582" y="5229200"/>
+            <a:off x="478582" y="5867980"/>
             <a:ext cx="10775726" cy="369332"/>
           </a:xfrm>
           <a:prstGeom prst="rect">
@@ -5702,7 +5731,7 @@
           <p:cNvPr id="7" name="Picture 6">
             <a:extLst>
               <a:ext uri="{FF2B5EF4-FFF2-40B4-BE49-F238E27FC236}">
-                <a16:creationId xmlns:a16="http://schemas.microsoft.com/office/drawing/2014/main" xmlns="" id="{D549EEF8-0DDC-4ADB-8B68-691DD0B6B1E9}"/>
+                <a16:creationId xmlns="" xmlns:a16="http://schemas.microsoft.com/office/drawing/2014/main" id="{D549EEF8-0DDC-4ADB-8B68-691DD0B6B1E9}"/>
               </a:ext>
             </a:extLst>
           </p:cNvPr>
@@ -5712,10 +5741,10 @@
           <p:nvPr/>
         </p:nvPicPr>
         <p:blipFill>
-          <a:blip r:embed="rId3" cstate="print">
+          <a:blip r:embed="rId2" cstate="print">
             <a:extLst>
               <a:ext uri="{28A0092B-C50C-407E-A947-70E740481C1C}">
-                <a14:useLocalDpi xmlns:a14="http://schemas.microsoft.com/office/drawing/2010/main" xmlns="" val="0"/>
+                <a14:useLocalDpi xmlns="" xmlns:a14="http://schemas.microsoft.com/office/drawing/2010/main" val="0"/>
               </a:ext>
             </a:extLst>
           </a:blip>
@@ -5738,7 +5767,7 @@
           <p:cNvPr id="9" name="Footer Placeholder 2">
             <a:extLst>
               <a:ext uri="{FF2B5EF4-FFF2-40B4-BE49-F238E27FC236}">
-                <a16:creationId xmlns:a16="http://schemas.microsoft.com/office/drawing/2014/main" xmlns="" id="{FE7D71F0-97C1-4A7C-A634-BE2CA956F0C6}"/>
+                <a16:creationId xmlns="" xmlns:a16="http://schemas.microsoft.com/office/drawing/2014/main" id="{FE7D71F0-97C1-4A7C-A634-BE2CA956F0C6}"/>
               </a:ext>
             </a:extLst>
           </p:cNvPr>
@@ -5865,10 +5894,609 @@
           </a:p>
         </p:txBody>
       </p:sp>
+      <p:grpSp>
+        <p:nvGrpSpPr>
+          <p:cNvPr id="10" name="Group 9"/>
+          <p:cNvGrpSpPr/>
+          <p:nvPr/>
+        </p:nvGrpSpPr>
+        <p:grpSpPr>
+          <a:xfrm>
+            <a:off x="1342678" y="2132856"/>
+            <a:ext cx="8568702" cy="3096344"/>
+            <a:chOff x="478832" y="3140968"/>
+            <a:chExt cx="8568702" cy="3096344"/>
+          </a:xfrm>
+        </p:grpSpPr>
+        <p:pic>
+          <p:nvPicPr>
+            <p:cNvPr id="11" name="Picture 2"/>
+            <p:cNvPicPr>
+              <a:picLocks noChangeAspect="1" noChangeArrowheads="1"/>
+            </p:cNvPicPr>
+            <p:nvPr/>
+          </p:nvPicPr>
+          <p:blipFill>
+            <a:blip r:embed="rId3" cstate="print"/>
+            <a:srcRect/>
+            <a:stretch>
+              <a:fillRect/>
+            </a:stretch>
+          </p:blipFill>
+          <p:spPr bwMode="auto">
+            <a:xfrm>
+              <a:off x="478832" y="3140968"/>
+              <a:ext cx="8568702" cy="3096344"/>
+            </a:xfrm>
+            <a:prstGeom prst="rect">
+              <a:avLst/>
+            </a:prstGeom>
+            <a:noFill/>
+            <a:ln w="9525">
+              <a:noFill/>
+              <a:miter lim="800000"/>
+              <a:headEnd/>
+              <a:tailEnd/>
+            </a:ln>
+          </p:spPr>
+        </p:pic>
+        <p:sp>
+          <p:nvSpPr>
+            <p:cNvPr id="12" name="Rectangle 11"/>
+            <p:cNvSpPr/>
+            <p:nvPr/>
+          </p:nvSpPr>
+          <p:spPr>
+            <a:xfrm>
+              <a:off x="550590" y="3140968"/>
+              <a:ext cx="1512168" cy="504056"/>
+            </a:xfrm>
+            <a:prstGeom prst="rect">
+              <a:avLst/>
+            </a:prstGeom>
+            <a:noFill/>
+            <a:ln w="3175">
+              <a:solidFill>
+                <a:schemeClr val="tx1"/>
+              </a:solidFill>
+            </a:ln>
+          </p:spPr>
+          <p:style>
+            <a:lnRef idx="2">
+              <a:schemeClr val="accent1">
+                <a:shade val="50000"/>
+              </a:schemeClr>
+            </a:lnRef>
+            <a:fillRef idx="1">
+              <a:schemeClr val="accent1"/>
+            </a:fillRef>
+            <a:effectRef idx="0">
+              <a:schemeClr val="accent1"/>
+            </a:effectRef>
+            <a:fontRef idx="minor">
+              <a:schemeClr val="lt1"/>
+            </a:fontRef>
+          </p:style>
+          <p:txBody>
+            <a:bodyPr rtlCol="0" anchor="ctr"/>
+            <a:lstStyle/>
+            <a:p>
+              <a:pPr algn="ctr"/>
+              <a:endParaRPr lang="en-US"/>
+            </a:p>
+          </p:txBody>
+        </p:sp>
+        <p:sp>
+          <p:nvSpPr>
+            <p:cNvPr id="13" name="Rectangle 12"/>
+            <p:cNvSpPr/>
+            <p:nvPr/>
+          </p:nvSpPr>
+          <p:spPr>
+            <a:xfrm>
+              <a:off x="550590" y="3760574"/>
+              <a:ext cx="1512168" cy="504056"/>
+            </a:xfrm>
+            <a:prstGeom prst="rect">
+              <a:avLst/>
+            </a:prstGeom>
+            <a:noFill/>
+            <a:ln w="3175">
+              <a:solidFill>
+                <a:schemeClr val="tx1"/>
+              </a:solidFill>
+            </a:ln>
+          </p:spPr>
+          <p:style>
+            <a:lnRef idx="2">
+              <a:schemeClr val="accent1">
+                <a:shade val="50000"/>
+              </a:schemeClr>
+            </a:lnRef>
+            <a:fillRef idx="1">
+              <a:schemeClr val="accent1"/>
+            </a:fillRef>
+            <a:effectRef idx="0">
+              <a:schemeClr val="accent1"/>
+            </a:effectRef>
+            <a:fontRef idx="minor">
+              <a:schemeClr val="lt1"/>
+            </a:fontRef>
+          </p:style>
+          <p:txBody>
+            <a:bodyPr rtlCol="0" anchor="ctr"/>
+            <a:lstStyle/>
+            <a:p>
+              <a:pPr algn="ctr"/>
+              <a:endParaRPr lang="en-US"/>
+            </a:p>
+          </p:txBody>
+        </p:sp>
+        <p:sp>
+          <p:nvSpPr>
+            <p:cNvPr id="14" name="Rectangle 13"/>
+            <p:cNvSpPr/>
+            <p:nvPr/>
+          </p:nvSpPr>
+          <p:spPr>
+            <a:xfrm>
+              <a:off x="550590" y="4365104"/>
+              <a:ext cx="1512168" cy="504056"/>
+            </a:xfrm>
+            <a:prstGeom prst="rect">
+              <a:avLst/>
+            </a:prstGeom>
+            <a:noFill/>
+            <a:ln w="3175">
+              <a:solidFill>
+                <a:schemeClr val="tx1"/>
+              </a:solidFill>
+            </a:ln>
+          </p:spPr>
+          <p:style>
+            <a:lnRef idx="2">
+              <a:schemeClr val="accent1">
+                <a:shade val="50000"/>
+              </a:schemeClr>
+            </a:lnRef>
+            <a:fillRef idx="1">
+              <a:schemeClr val="accent1"/>
+            </a:fillRef>
+            <a:effectRef idx="0">
+              <a:schemeClr val="accent1"/>
+            </a:effectRef>
+            <a:fontRef idx="minor">
+              <a:schemeClr val="lt1"/>
+            </a:fontRef>
+          </p:style>
+          <p:txBody>
+            <a:bodyPr rtlCol="0" anchor="ctr"/>
+            <a:lstStyle/>
+            <a:p>
+              <a:pPr algn="ctr"/>
+              <a:endParaRPr lang="en-US"/>
+            </a:p>
+          </p:txBody>
+        </p:sp>
+        <p:sp>
+          <p:nvSpPr>
+            <p:cNvPr id="15" name="Rectangle 14"/>
+            <p:cNvSpPr/>
+            <p:nvPr/>
+          </p:nvSpPr>
+          <p:spPr>
+            <a:xfrm>
+              <a:off x="550590" y="5013176"/>
+              <a:ext cx="1512168" cy="504056"/>
+            </a:xfrm>
+            <a:prstGeom prst="rect">
+              <a:avLst/>
+            </a:prstGeom>
+            <a:noFill/>
+            <a:ln w="3175">
+              <a:solidFill>
+                <a:schemeClr val="tx1"/>
+              </a:solidFill>
+            </a:ln>
+          </p:spPr>
+          <p:style>
+            <a:lnRef idx="2">
+              <a:schemeClr val="accent1">
+                <a:shade val="50000"/>
+              </a:schemeClr>
+            </a:lnRef>
+            <a:fillRef idx="1">
+              <a:schemeClr val="accent1"/>
+            </a:fillRef>
+            <a:effectRef idx="0">
+              <a:schemeClr val="accent1"/>
+            </a:effectRef>
+            <a:fontRef idx="minor">
+              <a:schemeClr val="lt1"/>
+            </a:fontRef>
+          </p:style>
+          <p:txBody>
+            <a:bodyPr rtlCol="0" anchor="ctr"/>
+            <a:lstStyle/>
+            <a:p>
+              <a:pPr algn="ctr"/>
+              <a:endParaRPr lang="en-US"/>
+            </a:p>
+          </p:txBody>
+        </p:sp>
+        <p:sp>
+          <p:nvSpPr>
+            <p:cNvPr id="16" name="Rectangle 15"/>
+            <p:cNvSpPr/>
+            <p:nvPr/>
+          </p:nvSpPr>
+          <p:spPr>
+            <a:xfrm>
+              <a:off x="550590" y="5575288"/>
+              <a:ext cx="1512168" cy="504056"/>
+            </a:xfrm>
+            <a:prstGeom prst="rect">
+              <a:avLst/>
+            </a:prstGeom>
+            <a:noFill/>
+            <a:ln w="3175">
+              <a:solidFill>
+                <a:schemeClr val="tx1"/>
+              </a:solidFill>
+            </a:ln>
+          </p:spPr>
+          <p:style>
+            <a:lnRef idx="2">
+              <a:schemeClr val="accent1">
+                <a:shade val="50000"/>
+              </a:schemeClr>
+            </a:lnRef>
+            <a:fillRef idx="1">
+              <a:schemeClr val="accent1"/>
+            </a:fillRef>
+            <a:effectRef idx="0">
+              <a:schemeClr val="accent1"/>
+            </a:effectRef>
+            <a:fontRef idx="minor">
+              <a:schemeClr val="lt1"/>
+            </a:fontRef>
+          </p:style>
+          <p:txBody>
+            <a:bodyPr rtlCol="0" anchor="ctr"/>
+            <a:lstStyle/>
+            <a:p>
+              <a:pPr algn="ctr"/>
+              <a:endParaRPr lang="en-US"/>
+            </a:p>
+          </p:txBody>
+        </p:sp>
+        <p:sp>
+          <p:nvSpPr>
+            <p:cNvPr id="17" name="Rectangle 16"/>
+            <p:cNvSpPr/>
+            <p:nvPr/>
+          </p:nvSpPr>
+          <p:spPr>
+            <a:xfrm>
+              <a:off x="3603392" y="3789040"/>
+              <a:ext cx="1512168" cy="504056"/>
+            </a:xfrm>
+            <a:prstGeom prst="rect">
+              <a:avLst/>
+            </a:prstGeom>
+            <a:noFill/>
+            <a:ln w="3175">
+              <a:solidFill>
+                <a:schemeClr val="tx1"/>
+              </a:solidFill>
+            </a:ln>
+          </p:spPr>
+          <p:style>
+            <a:lnRef idx="2">
+              <a:schemeClr val="accent1">
+                <a:shade val="50000"/>
+              </a:schemeClr>
+            </a:lnRef>
+            <a:fillRef idx="1">
+              <a:schemeClr val="accent1"/>
+            </a:fillRef>
+            <a:effectRef idx="0">
+              <a:schemeClr val="accent1"/>
+            </a:effectRef>
+            <a:fontRef idx="minor">
+              <a:schemeClr val="lt1"/>
+            </a:fontRef>
+          </p:style>
+          <p:txBody>
+            <a:bodyPr rtlCol="0" anchor="ctr"/>
+            <a:lstStyle/>
+            <a:p>
+              <a:pPr algn="ctr"/>
+              <a:endParaRPr lang="en-US"/>
+            </a:p>
+          </p:txBody>
+        </p:sp>
+        <p:sp>
+          <p:nvSpPr>
+            <p:cNvPr id="18" name="Rectangle 17"/>
+            <p:cNvSpPr/>
+            <p:nvPr/>
+          </p:nvSpPr>
+          <p:spPr>
+            <a:xfrm>
+              <a:off x="3603392" y="4394132"/>
+              <a:ext cx="1512168" cy="504056"/>
+            </a:xfrm>
+            <a:prstGeom prst="rect">
+              <a:avLst/>
+            </a:prstGeom>
+            <a:noFill/>
+            <a:ln w="3175">
+              <a:solidFill>
+                <a:schemeClr val="tx1"/>
+              </a:solidFill>
+            </a:ln>
+          </p:spPr>
+          <p:style>
+            <a:lnRef idx="2">
+              <a:schemeClr val="accent1">
+                <a:shade val="50000"/>
+              </a:schemeClr>
+            </a:lnRef>
+            <a:fillRef idx="1">
+              <a:schemeClr val="accent1"/>
+            </a:fillRef>
+            <a:effectRef idx="0">
+              <a:schemeClr val="accent1"/>
+            </a:effectRef>
+            <a:fontRef idx="minor">
+              <a:schemeClr val="lt1"/>
+            </a:fontRef>
+          </p:style>
+          <p:txBody>
+            <a:bodyPr rtlCol="0" anchor="ctr"/>
+            <a:lstStyle/>
+            <a:p>
+              <a:pPr algn="ctr"/>
+              <a:endParaRPr lang="en-US"/>
+            </a:p>
+          </p:txBody>
+        </p:sp>
+        <p:sp>
+          <p:nvSpPr>
+            <p:cNvPr id="19" name="Rectangle 18"/>
+            <p:cNvSpPr/>
+            <p:nvPr/>
+          </p:nvSpPr>
+          <p:spPr>
+            <a:xfrm>
+              <a:off x="3603392" y="5013176"/>
+              <a:ext cx="1512168" cy="504056"/>
+            </a:xfrm>
+            <a:prstGeom prst="rect">
+              <a:avLst/>
+            </a:prstGeom>
+            <a:noFill/>
+            <a:ln w="3175">
+              <a:solidFill>
+                <a:schemeClr val="tx1"/>
+              </a:solidFill>
+            </a:ln>
+          </p:spPr>
+          <p:style>
+            <a:lnRef idx="2">
+              <a:schemeClr val="accent1">
+                <a:shade val="50000"/>
+              </a:schemeClr>
+            </a:lnRef>
+            <a:fillRef idx="1">
+              <a:schemeClr val="accent1"/>
+            </a:fillRef>
+            <a:effectRef idx="0">
+              <a:schemeClr val="accent1"/>
+            </a:effectRef>
+            <a:fontRef idx="minor">
+              <a:schemeClr val="lt1"/>
+            </a:fontRef>
+          </p:style>
+          <p:txBody>
+            <a:bodyPr rtlCol="0" anchor="ctr"/>
+            <a:lstStyle/>
+            <a:p>
+              <a:pPr algn="ctr"/>
+              <a:endParaRPr lang="en-US"/>
+            </a:p>
+          </p:txBody>
+        </p:sp>
+        <p:sp>
+          <p:nvSpPr>
+            <p:cNvPr id="20" name="Rectangle 19"/>
+            <p:cNvSpPr/>
+            <p:nvPr/>
+          </p:nvSpPr>
+          <p:spPr>
+            <a:xfrm>
+              <a:off x="3603392" y="5589240"/>
+              <a:ext cx="1512168" cy="504056"/>
+            </a:xfrm>
+            <a:prstGeom prst="rect">
+              <a:avLst/>
+            </a:prstGeom>
+            <a:noFill/>
+            <a:ln w="3175">
+              <a:solidFill>
+                <a:schemeClr val="tx1"/>
+              </a:solidFill>
+            </a:ln>
+          </p:spPr>
+          <p:style>
+            <a:lnRef idx="2">
+              <a:schemeClr val="accent1">
+                <a:shade val="50000"/>
+              </a:schemeClr>
+            </a:lnRef>
+            <a:fillRef idx="1">
+              <a:schemeClr val="accent1"/>
+            </a:fillRef>
+            <a:effectRef idx="0">
+              <a:schemeClr val="accent1"/>
+            </a:effectRef>
+            <a:fontRef idx="minor">
+              <a:schemeClr val="lt1"/>
+            </a:fontRef>
+          </p:style>
+          <p:txBody>
+            <a:bodyPr rtlCol="0" anchor="ctr"/>
+            <a:lstStyle/>
+            <a:p>
+              <a:pPr algn="ctr"/>
+              <a:endParaRPr lang="en-US"/>
+            </a:p>
+          </p:txBody>
+        </p:sp>
+        <p:sp>
+          <p:nvSpPr>
+            <p:cNvPr id="21" name="Rectangle 20"/>
+            <p:cNvSpPr/>
+            <p:nvPr/>
+          </p:nvSpPr>
+          <p:spPr>
+            <a:xfrm>
+              <a:off x="5735166" y="3789040"/>
+              <a:ext cx="3240360" cy="518570"/>
+            </a:xfrm>
+            <a:prstGeom prst="rect">
+              <a:avLst/>
+            </a:prstGeom>
+            <a:noFill/>
+            <a:ln w="3175">
+              <a:solidFill>
+                <a:schemeClr val="tx1"/>
+              </a:solidFill>
+            </a:ln>
+          </p:spPr>
+          <p:style>
+            <a:lnRef idx="2">
+              <a:schemeClr val="accent1">
+                <a:shade val="50000"/>
+              </a:schemeClr>
+            </a:lnRef>
+            <a:fillRef idx="1">
+              <a:schemeClr val="accent1"/>
+            </a:fillRef>
+            <a:effectRef idx="0">
+              <a:schemeClr val="accent1"/>
+            </a:effectRef>
+            <a:fontRef idx="minor">
+              <a:schemeClr val="lt1"/>
+            </a:fontRef>
+          </p:style>
+          <p:txBody>
+            <a:bodyPr rtlCol="0" anchor="ctr"/>
+            <a:lstStyle/>
+            <a:p>
+              <a:pPr algn="ctr"/>
+              <a:endParaRPr lang="en-US"/>
+            </a:p>
+          </p:txBody>
+        </p:sp>
+        <p:sp>
+          <p:nvSpPr>
+            <p:cNvPr id="22" name="Rectangle 21"/>
+            <p:cNvSpPr/>
+            <p:nvPr/>
+          </p:nvSpPr>
+          <p:spPr>
+            <a:xfrm>
+              <a:off x="5735166" y="4365104"/>
+              <a:ext cx="3240360" cy="518570"/>
+            </a:xfrm>
+            <a:prstGeom prst="rect">
+              <a:avLst/>
+            </a:prstGeom>
+            <a:noFill/>
+            <a:ln w="3175">
+              <a:solidFill>
+                <a:schemeClr val="tx1"/>
+              </a:solidFill>
+            </a:ln>
+          </p:spPr>
+          <p:style>
+            <a:lnRef idx="2">
+              <a:schemeClr val="accent1">
+                <a:shade val="50000"/>
+              </a:schemeClr>
+            </a:lnRef>
+            <a:fillRef idx="1">
+              <a:schemeClr val="accent1"/>
+            </a:fillRef>
+            <a:effectRef idx="0">
+              <a:schemeClr val="accent1"/>
+            </a:effectRef>
+            <a:fontRef idx="minor">
+              <a:schemeClr val="lt1"/>
+            </a:fontRef>
+          </p:style>
+          <p:txBody>
+            <a:bodyPr rtlCol="0" anchor="ctr"/>
+            <a:lstStyle/>
+            <a:p>
+              <a:pPr algn="ctr"/>
+              <a:endParaRPr lang="en-US"/>
+            </a:p>
+          </p:txBody>
+        </p:sp>
+        <p:sp>
+          <p:nvSpPr>
+            <p:cNvPr id="23" name="Rectangle 22"/>
+            <p:cNvSpPr/>
+            <p:nvPr/>
+          </p:nvSpPr>
+          <p:spPr>
+            <a:xfrm>
+              <a:off x="5735166" y="4941168"/>
+              <a:ext cx="3240360" cy="518570"/>
+            </a:xfrm>
+            <a:prstGeom prst="rect">
+              <a:avLst/>
+            </a:prstGeom>
+            <a:noFill/>
+            <a:ln w="3175">
+              <a:solidFill>
+                <a:schemeClr val="tx1"/>
+              </a:solidFill>
+            </a:ln>
+          </p:spPr>
+          <p:style>
+            <a:lnRef idx="2">
+              <a:schemeClr val="accent1">
+                <a:shade val="50000"/>
+              </a:schemeClr>
+            </a:lnRef>
+            <a:fillRef idx="1">
+              <a:schemeClr val="accent1"/>
+            </a:fillRef>
+            <a:effectRef idx="0">
+              <a:schemeClr val="accent1"/>
+            </a:effectRef>
+            <a:fontRef idx="minor">
+              <a:schemeClr val="lt1"/>
+            </a:fontRef>
+          </p:style>
+          <p:txBody>
+            <a:bodyPr rtlCol="0" anchor="ctr"/>
+            <a:lstStyle/>
+            <a:p>
+              <a:pPr algn="ctr"/>
+              <a:endParaRPr lang="en-US"/>
+            </a:p>
+          </p:txBody>
+        </p:sp>
+      </p:grpSp>
     </p:spTree>
     <p:extLst>
       <p:ext uri="{BB962C8B-B14F-4D97-AF65-F5344CB8AC3E}">
-        <p14:creationId xmlns:p14="http://schemas.microsoft.com/office/powerpoint/2010/main" xmlns="" val="3160401395"/>
+        <p14:creationId xmlns="" xmlns:p14="http://schemas.microsoft.com/office/powerpoint/2010/main" val="3160401395"/>
       </p:ext>
     </p:extLst>
   </p:cSld>
@@ -5878,75 +6506,7 @@
   <p:timing>
     <p:tnLst>
       <p:par>
-        <p:cTn id="1" dur="indefinite" restart="never" nodeType="tmRoot">
-          <p:childTnLst>
-            <p:seq concurrent="1" nextAc="seek">
-              <p:cTn id="2" dur="indefinite" nodeType="mainSeq">
-                <p:childTnLst>
-                  <p:par>
-                    <p:cTn id="3" fill="hold">
-                      <p:stCondLst>
-                        <p:cond delay="indefinite"/>
-                      </p:stCondLst>
-                      <p:childTnLst>
-                        <p:par>
-                          <p:cTn id="4" fill="hold">
-                            <p:stCondLst>
-                              <p:cond delay="0"/>
-                            </p:stCondLst>
-                            <p:childTnLst>
-                              <p:par>
-                                <p:cTn id="5" presetID="1" presetClass="entr" presetSubtype="0" fill="hold" nodeType="clickEffect">
-                                  <p:stCondLst>
-                                    <p:cond delay="0"/>
-                                  </p:stCondLst>
-                                  <p:childTnLst>
-                                    <p:set>
-                                      <p:cBhvr>
-                                        <p:cTn id="6" dur="1" fill="hold">
-                                          <p:stCondLst>
-                                            <p:cond delay="0"/>
-                                          </p:stCondLst>
-                                        </p:cTn>
-                                        <p:tgtEl>
-                                          <p:spTgt spid="26"/>
-                                        </p:tgtEl>
-                                        <p:attrNameLst>
-                                          <p:attrName>style.visibility</p:attrName>
-                                        </p:attrNameLst>
-                                      </p:cBhvr>
-                                      <p:to>
-                                        <p:strVal val="visible"/>
-                                      </p:to>
-                                    </p:set>
-                                  </p:childTnLst>
-                                </p:cTn>
-                              </p:par>
-                            </p:childTnLst>
-                          </p:cTn>
-                        </p:par>
-                      </p:childTnLst>
-                    </p:cTn>
-                  </p:par>
-                </p:childTnLst>
-              </p:cTn>
-              <p:prevCondLst>
-                <p:cond evt="onPrev" delay="0">
-                  <p:tgtEl>
-                    <p:sldTgt/>
-                  </p:tgtEl>
-                </p:cond>
-              </p:prevCondLst>
-              <p:nextCondLst>
-                <p:cond evt="onNext" delay="0">
-                  <p:tgtEl>
-                    <p:sldTgt/>
-                  </p:tgtEl>
-                </p:cond>
-              </p:nextCondLst>
-            </p:seq>
-          </p:childTnLst>
-        </p:cTn>
+        <p:cTn id="1" dur="indefinite" restart="never" nodeType="tmRoot"/>
       </p:par>
     </p:tnLst>
   </p:timing>
@@ -6111,7 +6671,7 @@
           <p:cNvPr id="7" name="Picture 6">
             <a:extLst>
               <a:ext uri="{FF2B5EF4-FFF2-40B4-BE49-F238E27FC236}">
-                <a16:creationId xmlns:a16="http://schemas.microsoft.com/office/drawing/2014/main" xmlns="" id="{673C5F90-0D53-4822-96AD-E561FE022953}"/>
+                <a16:creationId xmlns="" xmlns:a16="http://schemas.microsoft.com/office/drawing/2014/main" id="{673C5F90-0D53-4822-96AD-E561FE022953}"/>
               </a:ext>
             </a:extLst>
           </p:cNvPr>
@@ -6124,7 +6684,7 @@
           <a:blip r:embed="rId3" cstate="print">
             <a:extLst>
               <a:ext uri="{28A0092B-C50C-407E-A947-70E740481C1C}">
-                <a14:useLocalDpi xmlns:a14="http://schemas.microsoft.com/office/drawing/2010/main" xmlns="" val="0"/>
+                <a14:useLocalDpi xmlns="" xmlns:a14="http://schemas.microsoft.com/office/drawing/2010/main" val="0"/>
               </a:ext>
             </a:extLst>
           </a:blip>
@@ -6147,7 +6707,7 @@
           <p:cNvPr id="8" name="Footer Placeholder 2">
             <a:extLst>
               <a:ext uri="{FF2B5EF4-FFF2-40B4-BE49-F238E27FC236}">
-                <a16:creationId xmlns:a16="http://schemas.microsoft.com/office/drawing/2014/main" xmlns="" id="{E1A25237-EAF2-44A9-AD9F-3B42445F3CFA}"/>
+                <a16:creationId xmlns="" xmlns:a16="http://schemas.microsoft.com/office/drawing/2014/main" id="{E1A25237-EAF2-44A9-AD9F-3B42445F3CFA}"/>
               </a:ext>
             </a:extLst>
           </p:cNvPr>
@@ -6277,7 +6837,7 @@
     </p:spTree>
     <p:extLst>
       <p:ext uri="{BB962C8B-B14F-4D97-AF65-F5344CB8AC3E}">
-        <p14:creationId xmlns:p14="http://schemas.microsoft.com/office/powerpoint/2010/main" xmlns="" val="2210990177"/>
+        <p14:creationId xmlns="" xmlns:p14="http://schemas.microsoft.com/office/powerpoint/2010/main" val="2210990177"/>
       </p:ext>
     </p:extLst>
   </p:cSld>
@@ -6534,7 +7094,7 @@
           <p:cNvPr id="7" name="Picture 6">
             <a:extLst>
               <a:ext uri="{FF2B5EF4-FFF2-40B4-BE49-F238E27FC236}">
-                <a16:creationId xmlns:a16="http://schemas.microsoft.com/office/drawing/2014/main" xmlns="" id="{09BC3450-AA35-49AC-835F-AD0371AC796C}"/>
+                <a16:creationId xmlns="" xmlns:a16="http://schemas.microsoft.com/office/drawing/2014/main" id="{09BC3450-AA35-49AC-835F-AD0371AC796C}"/>
               </a:ext>
             </a:extLst>
           </p:cNvPr>
@@ -6547,7 +7107,7 @@
           <a:blip r:embed="rId3" cstate="print">
             <a:extLst>
               <a:ext uri="{28A0092B-C50C-407E-A947-70E740481C1C}">
-                <a14:useLocalDpi xmlns:a14="http://schemas.microsoft.com/office/drawing/2010/main" xmlns="" val="0"/>
+                <a14:useLocalDpi xmlns="" xmlns:a14="http://schemas.microsoft.com/office/drawing/2010/main" val="0"/>
               </a:ext>
             </a:extLst>
           </a:blip>
@@ -6570,7 +7130,7 @@
           <p:cNvPr id="8" name="Footer Placeholder 2">
             <a:extLst>
               <a:ext uri="{FF2B5EF4-FFF2-40B4-BE49-F238E27FC236}">
-                <a16:creationId xmlns:a16="http://schemas.microsoft.com/office/drawing/2014/main" xmlns="" id="{6A00BB9F-BA4C-4D2C-831C-35C6CF284EC0}"/>
+                <a16:creationId xmlns="" xmlns:a16="http://schemas.microsoft.com/office/drawing/2014/main" id="{6A00BB9F-BA4C-4D2C-831C-35C6CF284EC0}"/>
               </a:ext>
             </a:extLst>
           </p:cNvPr>
@@ -6700,7 +7260,7 @@
     </p:spTree>
     <p:extLst>
       <p:ext uri="{BB962C8B-B14F-4D97-AF65-F5344CB8AC3E}">
-        <p14:creationId xmlns:p14="http://schemas.microsoft.com/office/powerpoint/2010/main" xmlns="" val="3506185651"/>
+        <p14:creationId xmlns="" xmlns:p14="http://schemas.microsoft.com/office/powerpoint/2010/main" val="3506185651"/>
       </p:ext>
     </p:extLst>
   </p:cSld>
